--- a/Präesentation - Delamain Corporation.pptx
+++ b/Präesentation - Delamain Corporation.pptx
@@ -9660,7 +9660,7 @@
           <a:lstStyle/>
           <a:p>
             <a:r>
-              <a:rPr lang="de-DE" dirty="0"/>
+              <a:rPr lang="en-GB" dirty="0"/>
               <a:t>Features:</a:t>
             </a:r>
           </a:p>
@@ -9670,84 +9670,12 @@
               <a:buChar char="•"/>
             </a:pPr>
             <a:r>
-              <a:rPr lang="de-DE" dirty="0"/>
-              <a:t>Core </a:t>
-            </a:r>
-            <a:r>
-              <a:rPr lang="de-DE" dirty="0" err="1"/>
-              <a:t>of</a:t>
-            </a:r>
-            <a:r>
-              <a:rPr lang="de-DE" dirty="0"/>
-              <a:t> </a:t>
-            </a:r>
-            <a:r>
-              <a:rPr lang="de-DE" dirty="0" err="1"/>
-              <a:t>the</a:t>
-            </a:r>
-            <a:r>
-              <a:rPr lang="de-DE" dirty="0"/>
-              <a:t> </a:t>
-            </a:r>
-            <a:r>
-              <a:rPr lang="de-DE" dirty="0" err="1"/>
-              <a:t>algorithm</a:t>
-            </a:r>
-            <a:r>
-              <a:rPr lang="de-DE" dirty="0"/>
-              <a:t>: Cars </a:t>
-            </a:r>
-            <a:r>
-              <a:rPr lang="de-DE" dirty="0" err="1"/>
-              <a:t>are</a:t>
-            </a:r>
-            <a:r>
-              <a:rPr lang="de-DE" dirty="0"/>
-              <a:t> </a:t>
-            </a:r>
-            <a:r>
-              <a:rPr lang="de-DE" dirty="0" err="1"/>
-              <a:t>allocated</a:t>
-            </a:r>
-            <a:r>
-              <a:rPr lang="de-DE" dirty="0"/>
-              <a:t> </a:t>
-            </a:r>
-            <a:r>
-              <a:rPr lang="de-DE" dirty="0" err="1"/>
-              <a:t>based</a:t>
-            </a:r>
-            <a:r>
-              <a:rPr lang="de-DE" dirty="0"/>
-              <a:t> on a </a:t>
-            </a:r>
-            <a:r>
-              <a:rPr lang="de-DE" dirty="0" err="1"/>
-              <a:t>minimum</a:t>
-            </a:r>
-            <a:r>
-              <a:rPr lang="de-DE" dirty="0"/>
-              <a:t> </a:t>
-            </a:r>
-            <a:r>
-              <a:rPr lang="de-DE" dirty="0" err="1"/>
-              <a:t>average</a:t>
-            </a:r>
-            <a:r>
-              <a:rPr lang="de-DE" dirty="0"/>
-              <a:t> </a:t>
-            </a:r>
-            <a:r>
-              <a:rPr lang="de-DE" dirty="0" err="1"/>
-              <a:t>waiting</a:t>
-            </a:r>
-            <a:r>
-              <a:rPr lang="de-DE" dirty="0"/>
-              <a:t> time</a:t>
-            </a:r>
-          </a:p>
-          <a:p>
-            <a:endParaRPr lang="de-DE" dirty="0"/>
+              <a:rPr lang="en-GB" dirty="0"/>
+              <a:t>Core of the algorithm: Cars are allocated based on a minimum average waiting time</a:t>
+            </a:r>
+          </a:p>
+          <a:p>
+            <a:endParaRPr lang="en-GB" dirty="0"/>
           </a:p>
           <a:p>
             <a:pPr marL="285750" indent="-285750">
@@ -9755,92 +9683,12 @@
               <a:buChar char="•"/>
             </a:pPr>
             <a:r>
-              <a:rPr lang="de-DE" dirty="0"/>
-              <a:t>Hunger-</a:t>
-            </a:r>
-            <a:r>
-              <a:rPr lang="de-DE" dirty="0" err="1"/>
-              <a:t>avoidance</a:t>
-            </a:r>
-            <a:r>
-              <a:rPr lang="de-DE" dirty="0"/>
-              <a:t>: </a:t>
-            </a:r>
-            <a:r>
-              <a:rPr lang="de-DE" dirty="0" err="1"/>
-              <a:t>Inspired</a:t>
-            </a:r>
-            <a:r>
-              <a:rPr lang="de-DE" dirty="0"/>
-              <a:t> </a:t>
-            </a:r>
-            <a:r>
-              <a:rPr lang="de-DE" dirty="0" err="1"/>
-              <a:t>by</a:t>
-            </a:r>
-            <a:r>
-              <a:rPr lang="de-DE" dirty="0"/>
-              <a:t> </a:t>
-            </a:r>
-            <a:r>
-              <a:rPr lang="de-DE" dirty="0" err="1"/>
-              <a:t>the</a:t>
-            </a:r>
-            <a:r>
-              <a:rPr lang="de-DE" dirty="0"/>
-              <a:t> Linux Kernel </a:t>
-            </a:r>
-            <a:r>
-              <a:rPr lang="de-DE" dirty="0" err="1"/>
-              <a:t>scheduler</a:t>
-            </a:r>
-            <a:r>
-              <a:rPr lang="de-DE" dirty="0"/>
-              <a:t>, </a:t>
-            </a:r>
-            <a:r>
-              <a:rPr lang="de-DE" dirty="0" err="1"/>
-              <a:t>we</a:t>
-            </a:r>
-            <a:r>
-              <a:rPr lang="de-DE" dirty="0"/>
-              <a:t> </a:t>
-            </a:r>
-            <a:r>
-              <a:rPr lang="de-DE" dirty="0" err="1"/>
-              <a:t>build</a:t>
-            </a:r>
-            <a:r>
-              <a:rPr lang="de-DE" dirty="0"/>
-              <a:t> a </a:t>
-            </a:r>
-            <a:r>
-              <a:rPr lang="de-DE" dirty="0" err="1"/>
-              <a:t>prioritizing</a:t>
-            </a:r>
-            <a:r>
-              <a:rPr lang="de-DE" dirty="0"/>
-              <a:t> </a:t>
-            </a:r>
-            <a:r>
-              <a:rPr lang="de-DE" dirty="0" err="1"/>
-              <a:t>allocation</a:t>
-            </a:r>
-            <a:r>
-              <a:rPr lang="de-DE" dirty="0"/>
-              <a:t> </a:t>
-            </a:r>
-            <a:r>
-              <a:rPr lang="de-DE" dirty="0" err="1"/>
-              <a:t>algorithm</a:t>
-            </a:r>
-            <a:r>
-              <a:rPr lang="de-DE" dirty="0"/>
-              <a:t>.</a:t>
-            </a:r>
-          </a:p>
-          <a:p>
-            <a:endParaRPr lang="de-DE" dirty="0"/>
+              <a:rPr lang="en-GB" dirty="0"/>
+              <a:t>Hunger-avoidance: Inspired by the Linux Kernel scheduler, we build a prioritizing allocation algorithm.</a:t>
+            </a:r>
+          </a:p>
+          <a:p>
+            <a:endParaRPr lang="en-GB" dirty="0"/>
           </a:p>
           <a:p>
             <a:pPr marL="285750" indent="-285750">
@@ -9848,112 +9696,35 @@
               <a:buChar char="•"/>
             </a:pPr>
             <a:r>
-              <a:rPr lang="de-DE" dirty="0"/>
-              <a:t>Energy-</a:t>
-            </a:r>
-            <a:r>
-              <a:rPr lang="de-DE" dirty="0" err="1"/>
-              <a:t>biased</a:t>
-            </a:r>
-            <a:r>
-              <a:rPr lang="de-DE" dirty="0"/>
-              <a:t>: </a:t>
-            </a:r>
-            <a:r>
-              <a:rPr lang="de-DE" dirty="0" err="1"/>
-              <a:t>To</a:t>
-            </a:r>
-            <a:r>
-              <a:rPr lang="de-DE" dirty="0"/>
-              <a:t> </a:t>
-            </a:r>
-            <a:r>
-              <a:rPr lang="de-DE" dirty="0" err="1"/>
-              <a:t>ensure</a:t>
-            </a:r>
-            <a:r>
-              <a:rPr lang="de-DE" dirty="0"/>
-              <a:t> </a:t>
-            </a:r>
-            <a:r>
-              <a:rPr lang="de-DE" dirty="0" err="1"/>
-              <a:t>vehicle</a:t>
-            </a:r>
-            <a:r>
-              <a:rPr lang="de-DE" dirty="0"/>
-              <a:t> </a:t>
-            </a:r>
-            <a:r>
-              <a:rPr lang="de-DE" dirty="0" err="1"/>
-              <a:t>longevity</a:t>
-            </a:r>
-            <a:r>
-              <a:rPr lang="de-DE" dirty="0"/>
-              <a:t> and </a:t>
-            </a:r>
-            <a:r>
-              <a:rPr lang="de-DE" dirty="0" err="1"/>
-              <a:t>protect</a:t>
-            </a:r>
-            <a:r>
-              <a:rPr lang="de-DE" dirty="0"/>
-              <a:t> </a:t>
-            </a:r>
-            <a:r>
-              <a:rPr lang="de-DE" dirty="0" err="1"/>
-              <a:t>the</a:t>
-            </a:r>
-            <a:r>
-              <a:rPr lang="de-DE" dirty="0"/>
-              <a:t> planet, a </a:t>
-            </a:r>
-            <a:r>
-              <a:rPr lang="de-DE" dirty="0" err="1"/>
-              <a:t>penalty</a:t>
-            </a:r>
-            <a:r>
-              <a:rPr lang="de-DE" dirty="0"/>
-              <a:t> </a:t>
-            </a:r>
-            <a:r>
-              <a:rPr lang="de-DE" dirty="0" err="1"/>
-              <a:t>is</a:t>
-            </a:r>
-            <a:r>
-              <a:rPr lang="de-DE" dirty="0"/>
-              <a:t> </a:t>
-            </a:r>
-            <a:r>
-              <a:rPr lang="de-DE" dirty="0" err="1"/>
-              <a:t>applied</a:t>
-            </a:r>
-            <a:r>
-              <a:rPr lang="de-DE" dirty="0"/>
-              <a:t> </a:t>
-            </a:r>
-            <a:r>
-              <a:rPr lang="de-DE" dirty="0" err="1"/>
-              <a:t>to</a:t>
-            </a:r>
-            <a:r>
-              <a:rPr lang="de-DE" dirty="0"/>
-              <a:t> </a:t>
-            </a:r>
-            <a:r>
-              <a:rPr lang="de-DE" dirty="0" err="1"/>
-              <a:t>over-utilized</a:t>
-            </a:r>
-            <a:r>
-              <a:rPr lang="de-DE" dirty="0"/>
-              <a:t> </a:t>
-            </a:r>
-            <a:r>
-              <a:rPr lang="de-DE" dirty="0" err="1"/>
-              <a:t>vehicles</a:t>
-            </a:r>
-            <a:r>
-              <a:rPr lang="de-DE" dirty="0"/>
-              <a:t>.</a:t>
+              <a:rPr lang="en-GB" dirty="0"/>
+              <a:t>Energy-biased: To ensure vehicle longevity and protect the planet, a penalty is applied to over-utilized vehicles</a:t>
+            </a:r>
+          </a:p>
+          <a:p>
+            <a:endParaRPr lang="en-GB" dirty="0"/>
+          </a:p>
+          <a:p>
+            <a:pPr marL="285750" indent="-285750">
+              <a:buFont typeface="Arial" panose="020B0604020202020204" pitchFamily="34" charset="0"/>
+              <a:buChar char="•"/>
+            </a:pPr>
+            <a:r>
+              <a:rPr lang="en-GB" dirty="0"/>
+              <a:t>Utilizing linear sum assignment to achieve a global </a:t>
+            </a:r>
+            <a:br>
+              <a:rPr lang="en-GB" dirty="0"/>
+            </a:br>
+            <a:r>
+              <a:rPr lang="en-GB" dirty="0"/>
+              <a:t>minimum of average waiting time or to serve as a </a:t>
+            </a:r>
+            <a:br>
+              <a:rPr lang="en-GB" dirty="0"/>
+            </a:br>
+            <a:r>
+              <a:rPr lang="en-GB" dirty="0"/>
+              <a:t>heuristic search tool for finding the best solution.</a:t>
             </a:r>
           </a:p>
         </p:txBody>
@@ -10040,6 +9811,101 @@
           </a:p>
         </p:txBody>
       </p:sp>
+      <p:pic>
+        <p:nvPicPr>
+          <p:cNvPr id="1026" name="Picture 2" descr="Bipartite graph formulation of a linear sum assignment problem (LSAP) |  Download Scientific Diagram">
+            <a:hlinkClick r:id="rId2"/>
+            <a:extLst>
+              <a:ext uri="{FF2B5EF4-FFF2-40B4-BE49-F238E27FC236}">
+                <a16:creationId xmlns:a16="http://schemas.microsoft.com/office/drawing/2014/main" id="{317B53BE-4252-3148-7BD0-553F7A3098DF}"/>
+              </a:ext>
+            </a:extLst>
+          </p:cNvPr>
+          <p:cNvPicPr>
+            <a:picLocks noChangeAspect="1" noChangeArrowheads="1"/>
+          </p:cNvPicPr>
+          <p:nvPr/>
+        </p:nvPicPr>
+        <p:blipFill>
+          <a:blip r:embed="rId3">
+            <a:extLst>
+              <a:ext uri="{28A0092B-C50C-407E-A947-70E740481C1C}">
+                <a14:useLocalDpi xmlns:a14="http://schemas.microsoft.com/office/drawing/2010/main" val="0"/>
+              </a:ext>
+            </a:extLst>
+          </a:blip>
+          <a:srcRect/>
+          <a:stretch>
+            <a:fillRect/>
+          </a:stretch>
+        </p:blipFill>
+        <p:spPr bwMode="auto">
+          <a:xfrm>
+            <a:off x="5464248" y="4112518"/>
+            <a:ext cx="3360662" cy="2360795"/>
+          </a:xfrm>
+          <a:prstGeom prst="rect">
+            <a:avLst/>
+          </a:prstGeom>
+          <a:noFill/>
+          <a:extLst>
+            <a:ext uri="{909E8E84-426E-40DD-AFC4-6F175D3DCCD1}">
+              <a14:hiddenFill xmlns:a14="http://schemas.microsoft.com/office/drawing/2010/main">
+                <a:solidFill>
+                  <a:srgbClr val="FFFFFF"/>
+                </a:solidFill>
+              </a14:hiddenFill>
+            </a:ext>
+          </a:extLst>
+        </p:spPr>
+      </p:pic>
+      <p:pic>
+        <p:nvPicPr>
+          <p:cNvPr id="1027" name="Picture 3" descr="Bipartite graph formulation of a linear sum assignment problem (LSAP) |  Download Scientific Diagram">
+            <a:extLst>
+              <a:ext uri="{FF2B5EF4-FFF2-40B4-BE49-F238E27FC236}">
+                <a16:creationId xmlns:a16="http://schemas.microsoft.com/office/drawing/2014/main" id="{359426EE-EAF5-AA92-92B7-EF854EDDA8AA}"/>
+              </a:ext>
+            </a:extLst>
+          </p:cNvPr>
+          <p:cNvPicPr>
+            <a:picLocks noChangeAspect="1" noChangeArrowheads="1"/>
+          </p:cNvPicPr>
+          <p:nvPr/>
+        </p:nvPicPr>
+        <p:blipFill>
+          <a:blip r:embed="rId4">
+            <a:extLst>
+              <a:ext uri="{28A0092B-C50C-407E-A947-70E740481C1C}">
+                <a14:useLocalDpi xmlns:a14="http://schemas.microsoft.com/office/drawing/2010/main" val="0"/>
+              </a:ext>
+            </a:extLst>
+          </a:blip>
+          <a:srcRect/>
+          <a:stretch>
+            <a:fillRect/>
+          </a:stretch>
+        </p:blipFill>
+        <p:spPr bwMode="auto">
+          <a:xfrm>
+            <a:off x="10856383" y="775209"/>
+            <a:ext cx="1634692" cy="1146724"/>
+          </a:xfrm>
+          <a:prstGeom prst="rect">
+            <a:avLst/>
+          </a:prstGeom>
+          <a:noFill/>
+          <a:extLst>
+            <a:ext uri="{909E8E84-426E-40DD-AFC4-6F175D3DCCD1}">
+              <a14:hiddenFill xmlns:a14="http://schemas.microsoft.com/office/drawing/2010/main">
+                <a:solidFill>
+                  <a:srgbClr val="FFFFFF"/>
+                </a:solidFill>
+              </a14:hiddenFill>
+            </a:ext>
+          </a:extLst>
+        </p:spPr>
+      </p:pic>
     </p:spTree>
     <p:extLst>
       <p:ext uri="{BB962C8B-B14F-4D97-AF65-F5344CB8AC3E}">

--- a/Präesentation - Delamain Corporation.pptx
+++ b/Präesentation - Delamain Corporation.pptx
@@ -382,7 +382,7 @@
               <a:pPr>
                 <a:defRPr/>
               </a:pPr>
-              <a:t>‹Nr.›</a:t>
+              <a:t>‹#›</a:t>
             </a:fld>
             <a:endParaRPr lang="en-GB"/>
           </a:p>
@@ -700,7 +700,7 @@
               <a:pPr>
                 <a:defRPr/>
               </a:pPr>
-              <a:t>‹Nr.›</a:t>
+              <a:t>‹#›</a:t>
             </a:fld>
             <a:endParaRPr lang="en-GB"/>
           </a:p>
@@ -1091,7 +1091,7 @@
             <a:fld id="{CE58CB1E-F828-4F11-99E0-327109AF9DA4}" type="slidenum">
               <a:rPr lang="de-DE" smtClean="0"/>
               <a:pPr/>
-              <a:t>‹Nr.›</a:t>
+              <a:t>‹#›</a:t>
             </a:fld>
             <a:endParaRPr lang="de-DE"/>
           </a:p>
@@ -1267,7 +1267,7 @@
             <a:fld id="{CE58CB1E-F828-4F11-99E0-327109AF9DA4}" type="slidenum">
               <a:rPr lang="de-DE" smtClean="0"/>
               <a:pPr/>
-              <a:t>‹Nr.›</a:t>
+              <a:t>‹#›</a:t>
             </a:fld>
             <a:endParaRPr lang="de-DE"/>
           </a:p>
@@ -1454,7 +1454,7 @@
             <a:fld id="{CE58CB1E-F828-4F11-99E0-327109AF9DA4}" type="slidenum">
               <a:rPr lang="de-DE" smtClean="0"/>
               <a:pPr/>
-              <a:t>‹Nr.›</a:t>
+              <a:t>‹#›</a:t>
             </a:fld>
             <a:endParaRPr lang="de-DE"/>
           </a:p>
@@ -1673,7 +1673,7 @@
             <a:fld id="{CE58CB1E-F828-4F11-99E0-327109AF9DA4}" type="slidenum">
               <a:rPr lang="de-DE" smtClean="0"/>
               <a:pPr/>
-              <a:t>‹Nr.›</a:t>
+              <a:t>‹#›</a:t>
             </a:fld>
             <a:endParaRPr lang="de-DE"/>
           </a:p>
@@ -2018,7 +2018,7 @@
             <a:fld id="{CE58CB1E-F828-4F11-99E0-327109AF9DA4}" type="slidenum">
               <a:rPr lang="de-DE" smtClean="0"/>
               <a:pPr/>
-              <a:t>‹Nr.›</a:t>
+              <a:t>‹#›</a:t>
             </a:fld>
             <a:endParaRPr lang="de-DE"/>
           </a:p>
@@ -2217,7 +2217,7 @@
             <a:fld id="{CE58CB1E-F828-4F11-99E0-327109AF9DA4}" type="slidenum">
               <a:rPr lang="de-DE" smtClean="0"/>
               <a:pPr/>
-              <a:t>‹Nr.›</a:t>
+              <a:t>‹#›</a:t>
             </a:fld>
             <a:endParaRPr lang="de-DE"/>
           </a:p>
@@ -2416,7 +2416,7 @@
             <a:fld id="{CE58CB1E-F828-4F11-99E0-327109AF9DA4}" type="slidenum">
               <a:rPr lang="de-DE" smtClean="0"/>
               <a:pPr/>
-              <a:t>‹Nr.›</a:t>
+              <a:t>‹#›</a:t>
             </a:fld>
             <a:endParaRPr lang="de-DE"/>
           </a:p>
@@ -2737,7 +2737,7 @@
             <a:fld id="{CE58CB1E-F828-4F11-99E0-327109AF9DA4}" type="slidenum">
               <a:rPr lang="de-DE" smtClean="0"/>
               <a:pPr/>
-              <a:t>‹Nr.›</a:t>
+              <a:t>‹#›</a:t>
             </a:fld>
             <a:endParaRPr lang="de-DE"/>
           </a:p>
@@ -2913,7 +2913,7 @@
             <a:fld id="{CE58CB1E-F828-4F11-99E0-327109AF9DA4}" type="slidenum">
               <a:rPr lang="de-DE" smtClean="0"/>
               <a:pPr/>
-              <a:t>‹Nr.›</a:t>
+              <a:t>‹#›</a:t>
             </a:fld>
             <a:endParaRPr lang="de-DE"/>
           </a:p>
@@ -3228,7 +3228,7 @@
             <a:fld id="{CE58CB1E-F828-4F11-99E0-327109AF9DA4}" type="slidenum">
               <a:rPr lang="de-DE" smtClean="0"/>
               <a:pPr/>
-              <a:t>‹Nr.›</a:t>
+              <a:t>‹#›</a:t>
             </a:fld>
             <a:endParaRPr lang="de-DE"/>
           </a:p>
@@ -3500,7 +3500,7 @@
             <a:fld id="{CE58CB1E-F828-4F11-99E0-327109AF9DA4}" type="slidenum">
               <a:rPr lang="de-DE" smtClean="0"/>
               <a:pPr/>
-              <a:t>‹Nr.›</a:t>
+              <a:t>‹#›</a:t>
             </a:fld>
             <a:endParaRPr lang="de-DE"/>
           </a:p>
@@ -3687,7 +3687,7 @@
             <a:fld id="{CE58CB1E-F828-4F11-99E0-327109AF9DA4}" type="slidenum">
               <a:rPr lang="de-DE" smtClean="0"/>
               <a:pPr/>
-              <a:t>‹Nr.›</a:t>
+              <a:t>‹#›</a:t>
             </a:fld>
             <a:endParaRPr lang="de-DE"/>
           </a:p>
@@ -3848,7 +3848,7 @@
             <a:fld id="{CE58CB1E-F828-4F11-99E0-327109AF9DA4}" type="slidenum">
               <a:rPr lang="de-DE" smtClean="0"/>
               <a:pPr/>
-              <a:t>‹Nr.›</a:t>
+              <a:t>‹#›</a:t>
             </a:fld>
             <a:endParaRPr lang="de-DE"/>
           </a:p>
@@ -4047,7 +4047,7 @@
             <a:fld id="{CE58CB1E-F828-4F11-99E0-327109AF9DA4}" type="slidenum">
               <a:rPr lang="de-DE" smtClean="0"/>
               <a:pPr/>
-              <a:t>‹Nr.›</a:t>
+              <a:t>‹#›</a:t>
             </a:fld>
             <a:endParaRPr lang="de-DE"/>
           </a:p>
@@ -4132,7 +4132,7 @@
             <a:fld id="{CE58CB1E-F828-4F11-99E0-327109AF9DA4}" type="slidenum">
               <a:rPr lang="de-DE" smtClean="0"/>
               <a:pPr/>
-              <a:t>‹Nr.›</a:t>
+              <a:t>‹#›</a:t>
             </a:fld>
             <a:endParaRPr lang="de-DE"/>
           </a:p>
@@ -4361,7 +4361,7 @@
             <a:fld id="{CE58CB1E-F828-4F11-99E0-327109AF9DA4}" type="slidenum">
               <a:rPr lang="de-DE" smtClean="0"/>
               <a:pPr/>
-              <a:t>‹Nr.›</a:t>
+              <a:t>‹#›</a:t>
             </a:fld>
             <a:endParaRPr lang="de-DE"/>
           </a:p>
@@ -4612,7 +4612,7 @@
             <a:fld id="{CE58CB1E-F828-4F11-99E0-327109AF9DA4}" type="slidenum">
               <a:rPr lang="de-DE" smtClean="0"/>
               <a:pPr/>
-              <a:t>‹Nr.›</a:t>
+              <a:t>‹#›</a:t>
             </a:fld>
             <a:endParaRPr lang="de-DE"/>
           </a:p>
@@ -4823,7 +4823,7 @@
             <a:fld id="{CE58CB1E-F828-4F11-99E0-327109AF9DA4}" type="slidenum">
               <a:rPr lang="de-DE" smtClean="0"/>
               <a:pPr/>
-              <a:t>‹Nr.›</a:t>
+              <a:t>‹#›</a:t>
             </a:fld>
             <a:endParaRPr lang="de-DE"/>
           </a:p>
@@ -5022,7 +5022,7 @@
             <a:fld id="{CE58CB1E-F828-4F11-99E0-327109AF9DA4}" type="slidenum">
               <a:rPr lang="de-DE" smtClean="0"/>
               <a:pPr/>
-              <a:t>‹Nr.›</a:t>
+              <a:t>‹#›</a:t>
             </a:fld>
             <a:endParaRPr lang="de-DE"/>
           </a:p>
@@ -5198,7 +5198,7 @@
             <a:fld id="{CE58CB1E-F828-4F11-99E0-327109AF9DA4}" type="slidenum">
               <a:rPr lang="de-DE" smtClean="0"/>
               <a:pPr/>
-              <a:t>‹Nr.›</a:t>
+              <a:t>‹#›</a:t>
             </a:fld>
             <a:endParaRPr lang="de-DE"/>
           </a:p>
@@ -5567,7 +5567,7 @@
             <a:fld id="{CE58CB1E-F828-4F11-99E0-327109AF9DA4}" type="slidenum">
               <a:rPr lang="de-DE" smtClean="0"/>
               <a:pPr/>
-              <a:t>‹Nr.›</a:t>
+              <a:t>‹#›</a:t>
             </a:fld>
             <a:endParaRPr lang="de-DE"/>
           </a:p>
@@ -5766,7 +5766,7 @@
             <a:fld id="{CE58CB1E-F828-4F11-99E0-327109AF9DA4}" type="slidenum">
               <a:rPr lang="de-DE" smtClean="0"/>
               <a:pPr/>
-              <a:t>‹Nr.›</a:t>
+              <a:t>‹#›</a:t>
             </a:fld>
             <a:endParaRPr lang="de-DE"/>
           </a:p>
@@ -6025,7 +6025,7 @@
             <a:fld id="{CE58CB1E-F828-4F11-99E0-327109AF9DA4}" type="slidenum">
               <a:rPr lang="de-DE" smtClean="0"/>
               <a:pPr/>
-              <a:t>‹Nr.›</a:t>
+              <a:t>‹#›</a:t>
             </a:fld>
             <a:endParaRPr lang="de-DE"/>
           </a:p>
@@ -6504,7 +6504,7 @@
                   <a:spcPct val="114000"/>
                 </a:lnSpc>
               </a:pPr>
-              <a:t>‹Nr.›</a:t>
+              <a:t>‹#›</a:t>
             </a:fld>
             <a:endParaRPr lang="de-DE" sz="1200">
               <a:latin typeface="+mn-lt"/>
@@ -6596,7 +6596,7 @@
             <a:fld id="{CE58CB1E-F828-4F11-99E0-327109AF9DA4}" type="slidenum">
               <a:rPr lang="de-DE" noProof="0" smtClean="0"/>
               <a:pPr/>
-              <a:t>‹Nr.›</a:t>
+              <a:t>‹#›</a:t>
             </a:fld>
             <a:endParaRPr lang="de-DE" noProof="0"/>
           </a:p>
@@ -7110,7 +7110,7 @@
             <a:fld id="{CE58CB1E-F828-4F11-99E0-327109AF9DA4}" type="slidenum">
               <a:rPr lang="de-DE" smtClean="0"/>
               <a:pPr/>
-              <a:t>‹Nr.›</a:t>
+              <a:t>‹#›</a:t>
             </a:fld>
             <a:endParaRPr lang="de-DE"/>
           </a:p>
@@ -7786,7 +7786,7 @@
             <a:fld id="{CE58CB1E-F828-4F11-99E0-327109AF9DA4}" type="slidenum">
               <a:rPr lang="de-DE" smtClean="0"/>
               <a:pPr/>
-              <a:t>‹Nr.›</a:t>
+              <a:t>‹#›</a:t>
             </a:fld>
             <a:endParaRPr lang="de-DE"/>
           </a:p>
@@ -8383,7 +8383,7 @@
             <a:fld id="{CE58CB1E-F828-4F11-99E0-327109AF9DA4}" type="slidenum">
               <a:rPr lang="de-DE" smtClean="0"/>
               <a:pPr/>
-              <a:t>‹Nr.›</a:t>
+              <a:t>‹#›</a:t>
             </a:fld>
             <a:endParaRPr lang="de-DE"/>
           </a:p>
@@ -8980,7 +8980,7 @@
             <a:fld id="{CE58CB1E-F828-4F11-99E0-327109AF9DA4}" type="slidenum">
               <a:rPr lang="de-DE" smtClean="0"/>
               <a:pPr/>
-              <a:t>‹Nr.›</a:t>
+              <a:t>‹#›</a:t>
             </a:fld>
             <a:endParaRPr lang="de-DE"/>
           </a:p>
@@ -9890,6 +9890,53 @@
           <a:xfrm>
             <a:off x="10856383" y="775209"/>
             <a:ext cx="1634692" cy="1146724"/>
+          </a:xfrm>
+          <a:prstGeom prst="rect">
+            <a:avLst/>
+          </a:prstGeom>
+          <a:noFill/>
+          <a:extLst>
+            <a:ext uri="{909E8E84-426E-40DD-AFC4-6F175D3DCCD1}">
+              <a14:hiddenFill xmlns:a14="http://schemas.microsoft.com/office/drawing/2010/main">
+                <a:solidFill>
+                  <a:srgbClr val="FFFFFF"/>
+                </a:solidFill>
+              </a14:hiddenFill>
+            </a:ext>
+          </a:extLst>
+        </p:spPr>
+      </p:pic>
+      <p:pic>
+        <p:nvPicPr>
+          <p:cNvPr id="7" name="Picture 2">
+            <a:extLst>
+              <a:ext uri="{FF2B5EF4-FFF2-40B4-BE49-F238E27FC236}">
+                <a16:creationId xmlns:a16="http://schemas.microsoft.com/office/drawing/2014/main" id="{E8C73661-C32D-E716-6E74-1D0B494C32C5}"/>
+              </a:ext>
+            </a:extLst>
+          </p:cNvPr>
+          <p:cNvPicPr>
+            <a:picLocks noChangeAspect="1" noChangeArrowheads="1"/>
+          </p:cNvPicPr>
+          <p:nvPr/>
+        </p:nvPicPr>
+        <p:blipFill>
+          <a:blip r:embed="rId5">
+            <a:extLst>
+              <a:ext uri="{28A0092B-C50C-407E-A947-70E740481C1C}">
+                <a14:useLocalDpi xmlns:a14="http://schemas.microsoft.com/office/drawing/2010/main" val="0"/>
+              </a:ext>
+            </a:extLst>
+          </a:blip>
+          <a:srcRect/>
+          <a:stretch>
+            <a:fillRect/>
+          </a:stretch>
+        </p:blipFill>
+        <p:spPr bwMode="auto">
+          <a:xfrm>
+            <a:off x="1664304" y="5482666"/>
+            <a:ext cx="3543300" cy="762000"/>
           </a:xfrm>
           <a:prstGeom prst="rect">
             <a:avLst/>
